--- a/gui/manual/使用图解.pptx
+++ b/gui/manual/使用图解.pptx
@@ -11,6 +11,7 @@
     <p:sldId id="259" r:id="rId5"/>
     <p:sldId id="260" r:id="rId6"/>
     <p:sldId id="261" r:id="rId7"/>
+    <p:sldId id="262" r:id="rId8"/>
   </p:sldIdLst>
   <p:sldSz cx="12192000" cy="6858000"/>
   <p:notesSz cx="6858000" cy="9144000"/>
@@ -361,7 +362,7 @@
           <a:p>
             <a:fld id="{9184DA70-C731-4C70-880D-CCD4705E623C}" type="datetime1">
               <a:rPr lang="en-US" smtClean="0"/>
-              <a:t>7/19/2019</a:t>
+              <a:t>7/24/2019</a:t>
             </a:fld>
             <a:endParaRPr lang="en-US" dirty="0"/>
           </a:p>
@@ -549,7 +550,7 @@
           <a:p>
             <a:fld id="{B612A279-0833-481D-8C56-F67FD0AC6C50}" type="datetime1">
               <a:rPr lang="en-US" smtClean="0"/>
-              <a:t>7/19/2019</a:t>
+              <a:t>7/24/2019</a:t>
             </a:fld>
             <a:endParaRPr lang="en-US" dirty="0"/>
           </a:p>
@@ -791,7 +792,7 @@
           <a:p>
             <a:fld id="{6587DA83-5663-4C9C-B9AA-0B40A3DAFF81}" type="datetime1">
               <a:rPr lang="en-US" smtClean="0"/>
-              <a:t>7/19/2019</a:t>
+              <a:t>7/24/2019</a:t>
             </a:fld>
             <a:endParaRPr lang="en-US" dirty="0"/>
           </a:p>
@@ -979,7 +980,7 @@
           <a:p>
             <a:fld id="{4BE1D723-8F53-4F53-90B0-1982A396982E}" type="datetime1">
               <a:rPr lang="en-US" smtClean="0"/>
-              <a:t>7/19/2019</a:t>
+              <a:t>7/24/2019</a:t>
             </a:fld>
             <a:endParaRPr lang="en-US" dirty="0"/>
           </a:p>
@@ -1352,7 +1353,7 @@
           <a:p>
             <a:fld id="{97669AF7-7BEB-44E4-9852-375E34362B5B}" type="datetime1">
               <a:rPr lang="en-US" smtClean="0"/>
-              <a:t>7/19/2019</a:t>
+              <a:t>7/24/2019</a:t>
             </a:fld>
             <a:endParaRPr lang="en-US" dirty="0"/>
           </a:p>
@@ -1607,7 +1608,7 @@
           <a:p>
             <a:fld id="{BAAAC38D-0552-4C82-B593-E6124DFADBE2}" type="datetime1">
               <a:rPr lang="en-US" smtClean="0"/>
-              <a:t>7/19/2019</a:t>
+              <a:t>7/24/2019</a:t>
             </a:fld>
             <a:endParaRPr lang="en-US" dirty="0"/>
           </a:p>
@@ -2004,7 +2005,7 @@
           <a:p>
             <a:fld id="{D9DF0F1C-5577-4ACB-BB62-DF8F3C494C7E}" type="datetime1">
               <a:rPr lang="en-US" smtClean="0"/>
-              <a:t>7/19/2019</a:t>
+              <a:t>7/24/2019</a:t>
             </a:fld>
             <a:endParaRPr lang="en-US" dirty="0"/>
           </a:p>
@@ -2140,7 +2141,7 @@
           <a:p>
             <a:fld id="{1775B394-D9F9-4F0C-B15D-605F45CB9E9F}" type="datetime1">
               <a:rPr lang="en-US" smtClean="0"/>
-              <a:t>7/19/2019</a:t>
+              <a:t>7/24/2019</a:t>
             </a:fld>
             <a:endParaRPr lang="en-US" dirty="0"/>
           </a:p>
@@ -2297,7 +2298,7 @@
           <a:p>
             <a:fld id="{39667345-2558-425A-8533-9BFDBCE15005}" type="datetime1">
               <a:rPr lang="en-US" smtClean="0"/>
-              <a:t>7/19/2019</a:t>
+              <a:t>7/24/2019</a:t>
             </a:fld>
             <a:endParaRPr lang="en-US" dirty="0"/>
           </a:p>
@@ -2626,7 +2627,7 @@
           <a:p>
             <a:fld id="{92BEA474-078D-4E9B-9B14-09A87B19DC46}" type="datetime1">
               <a:rPr lang="en-US" smtClean="0"/>
-              <a:t>7/19/2019</a:t>
+              <a:t>7/24/2019</a:t>
             </a:fld>
             <a:endParaRPr lang="en-US" dirty="0"/>
           </a:p>
@@ -2976,7 +2977,7 @@
           <a:p>
             <a:fld id="{4907D986-8816-4272-A432-0437A28A9828}" type="datetime1">
               <a:rPr lang="en-US" smtClean="0"/>
-              <a:t>7/19/2019</a:t>
+              <a:t>7/24/2019</a:t>
             </a:fld>
             <a:endParaRPr lang="en-US" dirty="0"/>
           </a:p>
@@ -3237,7 +3238,7 @@
           <a:p>
             <a:fld id="{62D6E202-B606-4609-B914-27C9371A1F6D}" type="datetime1">
               <a:rPr lang="en-US" smtClean="0"/>
-              <a:t>7/19/2019</a:t>
+              <a:t>7/24/2019</a:t>
             </a:fld>
             <a:endParaRPr lang="en-US" dirty="0"/>
           </a:p>
@@ -4198,10 +4199,10 @@
       </p:sp>
       <p:pic>
         <p:nvPicPr>
-          <p:cNvPr id="10" name="Picture 9">
-            <a:extLst>
-              <a:ext uri="{FF2B5EF4-FFF2-40B4-BE49-F238E27FC236}">
-                <a16:creationId xmlns:a16="http://schemas.microsoft.com/office/drawing/2014/main" id="{E681614B-D230-4FB0-AE4D-48AABDC93DC0}"/>
+          <p:cNvPr id="5" name="Picture 4">
+            <a:extLst>
+              <a:ext uri="{FF2B5EF4-FFF2-40B4-BE49-F238E27FC236}">
+                <a16:creationId xmlns:a16="http://schemas.microsoft.com/office/drawing/2014/main" id="{F8AD2D8F-01AF-406D-ADF6-7BAC8BF301ED}"/>
               </a:ext>
             </a:extLst>
           </p:cNvPr>
@@ -4218,8 +4219,37 @@
         </p:blipFill>
         <p:spPr>
           <a:xfrm>
-            <a:off x="490363" y="1393144"/>
-            <a:ext cx="7158761" cy="4071711"/>
+            <a:off x="158755" y="2475908"/>
+            <a:ext cx="7272876" cy="4136617"/>
+          </a:xfrm>
+          <a:prstGeom prst="rect">
+            <a:avLst/>
+          </a:prstGeom>
+        </p:spPr>
+      </p:pic>
+      <p:pic>
+        <p:nvPicPr>
+          <p:cNvPr id="12" name="Picture 11">
+            <a:extLst>
+              <a:ext uri="{FF2B5EF4-FFF2-40B4-BE49-F238E27FC236}">
+                <a16:creationId xmlns:a16="http://schemas.microsoft.com/office/drawing/2014/main" id="{62B2BC83-E754-415E-A74E-CA5B2FBCB854}"/>
+              </a:ext>
+            </a:extLst>
+          </p:cNvPr>
+          <p:cNvPicPr>
+            <a:picLocks noChangeAspect="1"/>
+          </p:cNvPicPr>
+          <p:nvPr/>
+        </p:nvPicPr>
+        <p:blipFill rotWithShape="1">
+          <a:blip r:embed="rId4"/>
+          <a:srcRect l="24561" t="23994" r="17822" b="7246"/>
+          <a:stretch/>
+        </p:blipFill>
+        <p:spPr>
+          <a:xfrm>
+            <a:off x="5086128" y="245475"/>
+            <a:ext cx="2345503" cy="2374235"/>
           </a:xfrm>
           <a:prstGeom prst="rect">
             <a:avLst/>
@@ -7290,6 +7320,269 @@
     <p:extLst>
       <p:ext uri="{BB962C8B-B14F-4D97-AF65-F5344CB8AC3E}">
         <p14:creationId xmlns:p14="http://schemas.microsoft.com/office/powerpoint/2010/main" val="2865362632"/>
+      </p:ext>
+    </p:extLst>
+  </p:cSld>
+  <p:clrMapOvr>
+    <a:masterClrMapping/>
+  </p:clrMapOvr>
+</p:sld>
+</file>
+
+<file path=ppt/slides/slide7.xml><?xml version="1.0" encoding="utf-8"?>
+<p:sld xmlns:a="http://schemas.openxmlformats.org/drawingml/2006/main" xmlns:r="http://schemas.openxmlformats.org/officeDocument/2006/relationships" xmlns:p="http://schemas.openxmlformats.org/presentationml/2006/main">
+  <p:cSld>
+    <p:spTree>
+      <p:nvGrpSpPr>
+        <p:cNvPr id="1" name=""/>
+        <p:cNvGrpSpPr/>
+        <p:nvPr/>
+      </p:nvGrpSpPr>
+      <p:grpSpPr>
+        <a:xfrm>
+          <a:off x="0" y="0"/>
+          <a:ext cx="0" cy="0"/>
+          <a:chOff x="0" y="0"/>
+          <a:chExt cx="0" cy="0"/>
+        </a:xfrm>
+      </p:grpSpPr>
+      <p:sp>
+        <p:nvSpPr>
+          <p:cNvPr id="2" name="Title 1">
+            <a:extLst>
+              <a:ext uri="{FF2B5EF4-FFF2-40B4-BE49-F238E27FC236}">
+                <a16:creationId xmlns:a16="http://schemas.microsoft.com/office/drawing/2014/main" id="{9550EFFA-C506-4E04-B9CD-CED524B85261}"/>
+              </a:ext>
+            </a:extLst>
+          </p:cNvPr>
+          <p:cNvSpPr>
+            <a:spLocks noGrp="1"/>
+          </p:cNvSpPr>
+          <p:nvPr>
+            <p:ph type="title"/>
+          </p:nvPr>
+        </p:nvSpPr>
+        <p:spPr>
+          <a:xfrm>
+            <a:off x="6735336" y="286603"/>
+            <a:ext cx="4420343" cy="1450757"/>
+          </a:xfrm>
+        </p:spPr>
+        <p:txBody>
+          <a:bodyPr/>
+          <a:lstStyle/>
+          <a:p>
+            <a:r>
+              <a:rPr lang="zh-CN" altLang="en-US" dirty="0"/>
+              <a:t>功 能 添 加</a:t>
+            </a:r>
+          </a:p>
+        </p:txBody>
+      </p:sp>
+      <p:pic>
+        <p:nvPicPr>
+          <p:cNvPr id="4" name="Content Placeholder 3">
+            <a:extLst>
+              <a:ext uri="{FF2B5EF4-FFF2-40B4-BE49-F238E27FC236}">
+                <a16:creationId xmlns:a16="http://schemas.microsoft.com/office/drawing/2014/main" id="{4804D821-801F-43BC-90C3-D5E103713F76}"/>
+              </a:ext>
+            </a:extLst>
+          </p:cNvPr>
+          <p:cNvPicPr>
+            <a:picLocks noGrp="1" noChangeAspect="1"/>
+          </p:cNvPicPr>
+          <p:nvPr>
+            <p:ph idx="1"/>
+          </p:nvPr>
+        </p:nvPicPr>
+        <p:blipFill rotWithShape="1">
+          <a:blip r:embed="rId2"/>
+          <a:srcRect l="64188"/>
+          <a:stretch/>
+        </p:blipFill>
+        <p:spPr>
+          <a:xfrm>
+            <a:off x="922962" y="654094"/>
+            <a:ext cx="3456878" cy="5490228"/>
+          </a:xfrm>
+          <a:prstGeom prst="rect">
+            <a:avLst/>
+          </a:prstGeom>
+        </p:spPr>
+      </p:pic>
+      <p:sp>
+        <p:nvSpPr>
+          <p:cNvPr id="5" name="Rectangle 4">
+            <a:extLst>
+              <a:ext uri="{FF2B5EF4-FFF2-40B4-BE49-F238E27FC236}">
+                <a16:creationId xmlns:a16="http://schemas.microsoft.com/office/drawing/2014/main" id="{DA9E8C0C-7272-446F-BBC7-C8389BE7F80A}"/>
+              </a:ext>
+            </a:extLst>
+          </p:cNvPr>
+          <p:cNvSpPr/>
+          <p:nvPr/>
+        </p:nvSpPr>
+        <p:spPr>
+          <a:xfrm>
+            <a:off x="4128375" y="4210240"/>
+            <a:ext cx="4524971" cy="1934082"/>
+          </a:xfrm>
+          <a:prstGeom prst="rect">
+            <a:avLst/>
+          </a:prstGeom>
+        </p:spPr>
+        <p:style>
+          <a:lnRef idx="1">
+            <a:schemeClr val="accent6"/>
+          </a:lnRef>
+          <a:fillRef idx="3">
+            <a:schemeClr val="accent6"/>
+          </a:fillRef>
+          <a:effectRef idx="2">
+            <a:schemeClr val="accent6"/>
+          </a:effectRef>
+          <a:fontRef idx="minor">
+            <a:schemeClr val="lt1"/>
+          </a:fontRef>
+        </p:style>
+        <p:txBody>
+          <a:bodyPr rtlCol="0" anchor="t"/>
+          <a:lstStyle/>
+          <a:p>
+            <a:pPr algn="just">
+              <a:lnSpc>
+                <a:spcPct val="150000"/>
+              </a:lnSpc>
+            </a:pPr>
+            <a:r>
+              <a:rPr lang="zh-CN" altLang="en-US" sz="2000" dirty="0"/>
+              <a:t>增加了方便的靶点选择功能：</a:t>
+            </a:r>
+            <a:endParaRPr lang="en-US" altLang="zh-CN" sz="2000" dirty="0"/>
+          </a:p>
+          <a:p>
+            <a:pPr marL="342900" indent="-342900" algn="just">
+              <a:lnSpc>
+                <a:spcPct val="150000"/>
+              </a:lnSpc>
+              <a:buFont typeface="Arial" panose="020B0604020202020204" pitchFamily="34" charset="0"/>
+              <a:buChar char="•"/>
+            </a:pPr>
+            <a:r>
+              <a:rPr lang="zh-CN" altLang="en-US" sz="2000" dirty="0"/>
+              <a:t>可以通过“下一个”按钮直接选择下一个强功能连接点；</a:t>
+            </a:r>
+            <a:endParaRPr lang="en-US" altLang="zh-CN" sz="2000" dirty="0"/>
+          </a:p>
+          <a:p>
+            <a:pPr marL="342900" indent="-342900" algn="just">
+              <a:lnSpc>
+                <a:spcPct val="150000"/>
+              </a:lnSpc>
+              <a:buFont typeface="Arial" panose="020B0604020202020204" pitchFamily="34" charset="0"/>
+              <a:buChar char="•"/>
+            </a:pPr>
+            <a:r>
+              <a:rPr lang="zh-CN" altLang="en-US" sz="2000" dirty="0"/>
+              <a:t>通过“复位”按钮恢复初始状态。</a:t>
+            </a:r>
+            <a:endParaRPr lang="zh-CN" altLang="en-US" dirty="0"/>
+          </a:p>
+        </p:txBody>
+      </p:sp>
+      <p:pic>
+        <p:nvPicPr>
+          <p:cNvPr id="6" name="Picture 5">
+            <a:extLst>
+              <a:ext uri="{FF2B5EF4-FFF2-40B4-BE49-F238E27FC236}">
+                <a16:creationId xmlns:a16="http://schemas.microsoft.com/office/drawing/2014/main" id="{90A9E922-67F4-43E7-99C5-EB3E08762216}"/>
+              </a:ext>
+            </a:extLst>
+          </p:cNvPr>
+          <p:cNvPicPr>
+            <a:picLocks noChangeAspect="1"/>
+          </p:cNvPicPr>
+          <p:nvPr/>
+        </p:nvPicPr>
+        <p:blipFill rotWithShape="1">
+          <a:blip r:embed="rId3"/>
+          <a:srcRect l="24561" t="23994" r="17822" b="7246"/>
+          <a:stretch/>
+        </p:blipFill>
+        <p:spPr>
+          <a:xfrm>
+            <a:off x="8653346" y="2066745"/>
+            <a:ext cx="3072894" cy="3110536"/>
+          </a:xfrm>
+          <a:prstGeom prst="rect">
+            <a:avLst/>
+          </a:prstGeom>
+        </p:spPr>
+      </p:pic>
+      <p:sp>
+        <p:nvSpPr>
+          <p:cNvPr id="7" name="Rectangle 6">
+            <a:extLst>
+              <a:ext uri="{FF2B5EF4-FFF2-40B4-BE49-F238E27FC236}">
+                <a16:creationId xmlns:a16="http://schemas.microsoft.com/office/drawing/2014/main" id="{791FD8D8-9342-499E-A287-94B5D5CDEFE6}"/>
+              </a:ext>
+            </a:extLst>
+          </p:cNvPr>
+          <p:cNvSpPr/>
+          <p:nvPr/>
+        </p:nvSpPr>
+        <p:spPr>
+          <a:xfrm>
+            <a:off x="5586401" y="2507962"/>
+            <a:ext cx="3066946" cy="465838"/>
+          </a:xfrm>
+          <a:prstGeom prst="rect">
+            <a:avLst/>
+          </a:prstGeom>
+        </p:spPr>
+        <p:style>
+          <a:lnRef idx="1">
+            <a:schemeClr val="accent6"/>
+          </a:lnRef>
+          <a:fillRef idx="3">
+            <a:schemeClr val="accent6"/>
+          </a:fillRef>
+          <a:effectRef idx="2">
+            <a:schemeClr val="accent6"/>
+          </a:effectRef>
+          <a:fontRef idx="minor">
+            <a:schemeClr val="lt1"/>
+          </a:fontRef>
+        </p:style>
+        <p:txBody>
+          <a:bodyPr rtlCol="0" anchor="t"/>
+          <a:lstStyle/>
+          <a:p>
+            <a:pPr algn="just">
+              <a:lnSpc>
+                <a:spcPct val="150000"/>
+              </a:lnSpc>
+            </a:pPr>
+            <a:r>
+              <a:rPr lang="zh-CN" altLang="en-US" sz="2000" dirty="0"/>
+              <a:t>还增加了</a:t>
+            </a:r>
+            <a:r>
+              <a:rPr lang="en-US" altLang="zh-CN" sz="2000" dirty="0"/>
+              <a:t>3D</a:t>
+            </a:r>
+            <a:r>
+              <a:rPr lang="zh-CN" altLang="en-US" sz="2000" dirty="0"/>
+              <a:t>辅助展示功能</a:t>
+            </a:r>
+            <a:endParaRPr lang="zh-CN" altLang="en-US" dirty="0"/>
+          </a:p>
+        </p:txBody>
+      </p:sp>
+    </p:spTree>
+    <p:extLst>
+      <p:ext uri="{BB962C8B-B14F-4D97-AF65-F5344CB8AC3E}">
+        <p14:creationId xmlns:p14="http://schemas.microsoft.com/office/powerpoint/2010/main" val="3633461771"/>
       </p:ext>
     </p:extLst>
   </p:cSld>
